--- a/Mock up.pptx
+++ b/Mock up.pptx
@@ -104,6 +104,11 @@
       </a:defRPr>
     </a:lvl9pPr>
   </p:defaultTextStyle>
+  <p:extLst>
+    <p:ext uri="{EFAFB233-063F-42B5-8137-9DF3F51BA10A}">
+      <p15:sldGuideLst xmlns:p15="http://schemas.microsoft.com/office/powerpoint/2012/main"/>
+    </p:ext>
+  </p:extLst>
 </p:presentation>
 </file>
 
@@ -3422,7 +3427,7 @@
             </a:r>
             <a:r>
               <a:rPr lang="en-US" dirty="0"/>
-              <a:t> Total by Generation Bar</a:t>
+              <a:t> Total by (something) Bar</a:t>
             </a:r>
           </a:p>
         </p:txBody>
@@ -3545,7 +3550,7 @@
         </p:nvSpPr>
         <p:spPr>
           <a:xfrm>
-            <a:off x="6783185" y="1036318"/>
+            <a:off x="9214656" y="1054332"/>
             <a:ext cx="2466109" cy="872836"/>
           </a:xfrm>
           <a:prstGeom prst="rect">
@@ -3598,7 +3603,7 @@
                   <a:schemeClr val="tx1"/>
                 </a:solidFill>
               </a:rPr>
-              <a:t>Generation</a:t>
+              <a:t>Generation (has each generation as selection)</a:t>
             </a:r>
           </a:p>
         </p:txBody>
@@ -3662,78 +3667,6 @@
                 </a:solidFill>
               </a:rPr>
               <a:t>Project info</a:t>
-            </a:r>
-          </a:p>
-        </p:txBody>
-      </p:sp>
-      <p:sp>
-        <p:nvSpPr>
-          <p:cNvPr id="11" name="Rectangle 10">
-            <a:extLst>
-              <a:ext uri="{FF2B5EF4-FFF2-40B4-BE49-F238E27FC236}">
-                <a16:creationId xmlns:a16="http://schemas.microsoft.com/office/drawing/2014/main" id="{013EBF3C-548B-AB4A-A4DD-D8BE4EA877A1}"/>
-              </a:ext>
-            </a:extLst>
-          </p:cNvPr>
-          <p:cNvSpPr/>
-          <p:nvPr/>
-        </p:nvSpPr>
-        <p:spPr>
-          <a:xfrm>
-            <a:off x="9405851" y="1054332"/>
-            <a:ext cx="2466109" cy="872836"/>
-          </a:xfrm>
-          <a:prstGeom prst="rect">
-            <a:avLst/>
-          </a:prstGeom>
-          <a:solidFill>
-            <a:schemeClr val="accent4"/>
-          </a:solidFill>
-          <a:ln>
-            <a:solidFill>
-              <a:schemeClr val="accent4"/>
-            </a:solidFill>
-          </a:ln>
-        </p:spPr>
-        <p:style>
-          <a:lnRef idx="2">
-            <a:schemeClr val="accent1">
-              <a:shade val="50000"/>
-            </a:schemeClr>
-          </a:lnRef>
-          <a:fillRef idx="1">
-            <a:schemeClr val="accent1"/>
-          </a:fillRef>
-          <a:effectRef idx="0">
-            <a:schemeClr val="accent1"/>
-          </a:effectRef>
-          <a:fontRef idx="minor">
-            <a:schemeClr val="lt1"/>
-          </a:fontRef>
-        </p:style>
-        <p:txBody>
-          <a:bodyPr rtlCol="0" anchor="ctr"/>
-          <a:lstStyle/>
-          <a:p>
-            <a:pPr algn="ctr"/>
-            <a:r>
-              <a:rPr lang="en-US" dirty="0">
-                <a:solidFill>
-                  <a:schemeClr val="tx1"/>
-                </a:solidFill>
-              </a:rPr>
-              <a:t>Dropdown for:</a:t>
-            </a:r>
-          </a:p>
-          <a:p>
-            <a:pPr algn="ctr"/>
-            <a:r>
-              <a:rPr lang="en-US" dirty="0">
-                <a:solidFill>
-                  <a:schemeClr val="tx1"/>
-                </a:solidFill>
-              </a:rPr>
-              <a:t>Type</a:t>
             </a:r>
           </a:p>
         </p:txBody>
